--- a/images and usefull code/images/New Microsoft PowerPoint Presentation.pptx
+++ b/images and usefull code/images/New Microsoft PowerPoint Presentation.pptx
@@ -274,7 +274,7 @@
           <a:p>
             <a:fld id="{1EDB1202-455D-4B50-888E-ABEE96FF032E}" type="datetimeFigureOut">
               <a:rPr lang="en-US" smtClean="0"/>
-              <a:t>9/9/2024</a:t>
+              <a:t>10/12/2024</a:t>
             </a:fld>
             <a:endParaRPr lang="en-US"/>
           </a:p>
@@ -474,7 +474,7 @@
           <a:p>
             <a:fld id="{1EDB1202-455D-4B50-888E-ABEE96FF032E}" type="datetimeFigureOut">
               <a:rPr lang="en-US" smtClean="0"/>
-              <a:t>9/9/2024</a:t>
+              <a:t>10/12/2024</a:t>
             </a:fld>
             <a:endParaRPr lang="en-US"/>
           </a:p>
@@ -684,7 +684,7 @@
           <a:p>
             <a:fld id="{1EDB1202-455D-4B50-888E-ABEE96FF032E}" type="datetimeFigureOut">
               <a:rPr lang="en-US" smtClean="0"/>
-              <a:t>9/9/2024</a:t>
+              <a:t>10/12/2024</a:t>
             </a:fld>
             <a:endParaRPr lang="en-US"/>
           </a:p>
@@ -884,7 +884,7 @@
           <a:p>
             <a:fld id="{1EDB1202-455D-4B50-888E-ABEE96FF032E}" type="datetimeFigureOut">
               <a:rPr lang="en-US" smtClean="0"/>
-              <a:t>9/9/2024</a:t>
+              <a:t>10/12/2024</a:t>
             </a:fld>
             <a:endParaRPr lang="en-US"/>
           </a:p>
@@ -1160,7 +1160,7 @@
           <a:p>
             <a:fld id="{1EDB1202-455D-4B50-888E-ABEE96FF032E}" type="datetimeFigureOut">
               <a:rPr lang="en-US" smtClean="0"/>
-              <a:t>9/9/2024</a:t>
+              <a:t>10/12/2024</a:t>
             </a:fld>
             <a:endParaRPr lang="en-US"/>
           </a:p>
@@ -1428,7 +1428,7 @@
           <a:p>
             <a:fld id="{1EDB1202-455D-4B50-888E-ABEE96FF032E}" type="datetimeFigureOut">
               <a:rPr lang="en-US" smtClean="0"/>
-              <a:t>9/9/2024</a:t>
+              <a:t>10/12/2024</a:t>
             </a:fld>
             <a:endParaRPr lang="en-US"/>
           </a:p>
@@ -1843,7 +1843,7 @@
           <a:p>
             <a:fld id="{1EDB1202-455D-4B50-888E-ABEE96FF032E}" type="datetimeFigureOut">
               <a:rPr lang="en-US" smtClean="0"/>
-              <a:t>9/9/2024</a:t>
+              <a:t>10/12/2024</a:t>
             </a:fld>
             <a:endParaRPr lang="en-US"/>
           </a:p>
@@ -1985,7 +1985,7 @@
           <a:p>
             <a:fld id="{1EDB1202-455D-4B50-888E-ABEE96FF032E}" type="datetimeFigureOut">
               <a:rPr lang="en-US" smtClean="0"/>
-              <a:t>9/9/2024</a:t>
+              <a:t>10/12/2024</a:t>
             </a:fld>
             <a:endParaRPr lang="en-US"/>
           </a:p>
@@ -2098,7 +2098,7 @@
           <a:p>
             <a:fld id="{1EDB1202-455D-4B50-888E-ABEE96FF032E}" type="datetimeFigureOut">
               <a:rPr lang="en-US" smtClean="0"/>
-              <a:t>9/9/2024</a:t>
+              <a:t>10/12/2024</a:t>
             </a:fld>
             <a:endParaRPr lang="en-US"/>
           </a:p>
@@ -2411,7 +2411,7 @@
           <a:p>
             <a:fld id="{1EDB1202-455D-4B50-888E-ABEE96FF032E}" type="datetimeFigureOut">
               <a:rPr lang="en-US" smtClean="0"/>
-              <a:t>9/9/2024</a:t>
+              <a:t>10/12/2024</a:t>
             </a:fld>
             <a:endParaRPr lang="en-US"/>
           </a:p>
@@ -2700,7 +2700,7 @@
           <a:p>
             <a:fld id="{1EDB1202-455D-4B50-888E-ABEE96FF032E}" type="datetimeFigureOut">
               <a:rPr lang="en-US" smtClean="0"/>
-              <a:t>9/9/2024</a:t>
+              <a:t>10/12/2024</a:t>
             </a:fld>
             <a:endParaRPr lang="en-US"/>
           </a:p>
@@ -2943,7 +2943,7 @@
           <a:p>
             <a:fld id="{1EDB1202-455D-4B50-888E-ABEE96FF032E}" type="datetimeFigureOut">
               <a:rPr lang="en-US" smtClean="0"/>
-              <a:t>9/9/2024</a:t>
+              <a:t>10/12/2024</a:t>
             </a:fld>
             <a:endParaRPr lang="en-US"/>
           </a:p>
@@ -7069,7 +7069,7 @@
           <p:nvPr>
             <p:extLst>
               <p:ext uri="{D42A27DB-BD31-4B8C-83A1-F6EECF244321}">
-                <p14:modId xmlns:p14="http://schemas.microsoft.com/office/powerpoint/2010/main" val="1461499137"/>
+                <p14:modId xmlns:p14="http://schemas.microsoft.com/office/powerpoint/2010/main" val="3553799946"/>
               </p:ext>
             </p:extLst>
           </p:nvPr>
@@ -7492,9 +7492,7 @@
                   </a:txBody>
                   <a:tcPr anchor="ctr">
                     <a:solidFill>
-                      <a:schemeClr val="bg1">
-                        <a:lumMod val="85000"/>
-                      </a:schemeClr>
+                      <a:schemeClr val="bg1"/>
                     </a:solidFill>
                   </a:tcPr>
                 </a:tc>
@@ -7561,7 +7559,7 @@
           <p:nvPr>
             <p:extLst>
               <p:ext uri="{D42A27DB-BD31-4B8C-83A1-F6EECF244321}">
-                <p14:modId xmlns:p14="http://schemas.microsoft.com/office/powerpoint/2010/main" val="1677964615"/>
+                <p14:modId xmlns:p14="http://schemas.microsoft.com/office/powerpoint/2010/main" val="2686716360"/>
               </p:ext>
             </p:extLst>
           </p:nvPr>
@@ -7714,9 +7712,7 @@
                   </a:txBody>
                   <a:tcPr anchor="ctr">
                     <a:solidFill>
-                      <a:schemeClr val="bg1">
-                        <a:lumMod val="85000"/>
-                      </a:schemeClr>
+                      <a:schemeClr val="bg1"/>
                     </a:solidFill>
                   </a:tcPr>
                 </a:tc>
@@ -7731,9 +7727,7 @@
                   </a:txBody>
                   <a:tcPr anchor="ctr">
                     <a:solidFill>
-                      <a:schemeClr val="bg1">
-                        <a:lumMod val="85000"/>
-                      </a:schemeClr>
+                      <a:schemeClr val="bg1"/>
                     </a:solidFill>
                   </a:tcPr>
                 </a:tc>
@@ -8062,7 +8056,7 @@
           <p:nvPr>
             <p:extLst>
               <p:ext uri="{D42A27DB-BD31-4B8C-83A1-F6EECF244321}">
-                <p14:modId xmlns:p14="http://schemas.microsoft.com/office/powerpoint/2010/main" val="241632670"/>
+                <p14:modId xmlns:p14="http://schemas.microsoft.com/office/powerpoint/2010/main" val="2352570315"/>
               </p:ext>
             </p:extLst>
           </p:nvPr>
@@ -8485,9 +8479,7 @@
                   </a:txBody>
                   <a:tcPr anchor="ctr">
                     <a:solidFill>
-                      <a:schemeClr val="bg1">
-                        <a:lumMod val="85000"/>
-                      </a:schemeClr>
+                      <a:schemeClr val="bg1"/>
                     </a:solidFill>
                   </a:tcPr>
                 </a:tc>
@@ -8527,9 +8519,7 @@
                   </a:txBody>
                   <a:tcPr anchor="ctr">
                     <a:solidFill>
-                      <a:schemeClr val="bg1">
-                        <a:lumMod val="85000"/>
-                      </a:schemeClr>
+                      <a:schemeClr val="bg1"/>
                     </a:solidFill>
                   </a:tcPr>
                 </a:tc>

--- a/images and usefull code/images/New Microsoft PowerPoint Presentation.pptx
+++ b/images and usefull code/images/New Microsoft PowerPoint Presentation.pptx
@@ -8,6 +8,7 @@
     <p:sldId id="256" r:id="rId2"/>
     <p:sldId id="257" r:id="rId3"/>
     <p:sldId id="258" r:id="rId4"/>
+    <p:sldId id="259" r:id="rId5"/>
   </p:sldIdLst>
   <p:sldSz cx="12192000" cy="6858000"/>
   <p:notesSz cx="6858000" cy="9144000"/>
@@ -274,7 +275,7 @@
           <a:p>
             <a:fld id="{1EDB1202-455D-4B50-888E-ABEE96FF032E}" type="datetimeFigureOut">
               <a:rPr lang="en-US" smtClean="0"/>
-              <a:t>10/12/2024</a:t>
+              <a:t>10/16/2024</a:t>
             </a:fld>
             <a:endParaRPr lang="en-US"/>
           </a:p>
@@ -474,7 +475,7 @@
           <a:p>
             <a:fld id="{1EDB1202-455D-4B50-888E-ABEE96FF032E}" type="datetimeFigureOut">
               <a:rPr lang="en-US" smtClean="0"/>
-              <a:t>10/12/2024</a:t>
+              <a:t>10/16/2024</a:t>
             </a:fld>
             <a:endParaRPr lang="en-US"/>
           </a:p>
@@ -684,7 +685,7 @@
           <a:p>
             <a:fld id="{1EDB1202-455D-4B50-888E-ABEE96FF032E}" type="datetimeFigureOut">
               <a:rPr lang="en-US" smtClean="0"/>
-              <a:t>10/12/2024</a:t>
+              <a:t>10/16/2024</a:t>
             </a:fld>
             <a:endParaRPr lang="en-US"/>
           </a:p>
@@ -884,7 +885,7 @@
           <a:p>
             <a:fld id="{1EDB1202-455D-4B50-888E-ABEE96FF032E}" type="datetimeFigureOut">
               <a:rPr lang="en-US" smtClean="0"/>
-              <a:t>10/12/2024</a:t>
+              <a:t>10/16/2024</a:t>
             </a:fld>
             <a:endParaRPr lang="en-US"/>
           </a:p>
@@ -1160,7 +1161,7 @@
           <a:p>
             <a:fld id="{1EDB1202-455D-4B50-888E-ABEE96FF032E}" type="datetimeFigureOut">
               <a:rPr lang="en-US" smtClean="0"/>
-              <a:t>10/12/2024</a:t>
+              <a:t>10/16/2024</a:t>
             </a:fld>
             <a:endParaRPr lang="en-US"/>
           </a:p>
@@ -1428,7 +1429,7 @@
           <a:p>
             <a:fld id="{1EDB1202-455D-4B50-888E-ABEE96FF032E}" type="datetimeFigureOut">
               <a:rPr lang="en-US" smtClean="0"/>
-              <a:t>10/12/2024</a:t>
+              <a:t>10/16/2024</a:t>
             </a:fld>
             <a:endParaRPr lang="en-US"/>
           </a:p>
@@ -1843,7 +1844,7 @@
           <a:p>
             <a:fld id="{1EDB1202-455D-4B50-888E-ABEE96FF032E}" type="datetimeFigureOut">
               <a:rPr lang="en-US" smtClean="0"/>
-              <a:t>10/12/2024</a:t>
+              <a:t>10/16/2024</a:t>
             </a:fld>
             <a:endParaRPr lang="en-US"/>
           </a:p>
@@ -1985,7 +1986,7 @@
           <a:p>
             <a:fld id="{1EDB1202-455D-4B50-888E-ABEE96FF032E}" type="datetimeFigureOut">
               <a:rPr lang="en-US" smtClean="0"/>
-              <a:t>10/12/2024</a:t>
+              <a:t>10/16/2024</a:t>
             </a:fld>
             <a:endParaRPr lang="en-US"/>
           </a:p>
@@ -2098,7 +2099,7 @@
           <a:p>
             <a:fld id="{1EDB1202-455D-4B50-888E-ABEE96FF032E}" type="datetimeFigureOut">
               <a:rPr lang="en-US" smtClean="0"/>
-              <a:t>10/12/2024</a:t>
+              <a:t>10/16/2024</a:t>
             </a:fld>
             <a:endParaRPr lang="en-US"/>
           </a:p>
@@ -2411,7 +2412,7 @@
           <a:p>
             <a:fld id="{1EDB1202-455D-4B50-888E-ABEE96FF032E}" type="datetimeFigureOut">
               <a:rPr lang="en-US" smtClean="0"/>
-              <a:t>10/12/2024</a:t>
+              <a:t>10/16/2024</a:t>
             </a:fld>
             <a:endParaRPr lang="en-US"/>
           </a:p>
@@ -2700,7 +2701,7 @@
           <a:p>
             <a:fld id="{1EDB1202-455D-4B50-888E-ABEE96FF032E}" type="datetimeFigureOut">
               <a:rPr lang="en-US" smtClean="0"/>
-              <a:t>10/12/2024</a:t>
+              <a:t>10/16/2024</a:t>
             </a:fld>
             <a:endParaRPr lang="en-US"/>
           </a:p>
@@ -2943,7 +2944,7 @@
           <a:p>
             <a:fld id="{1EDB1202-455D-4B50-888E-ABEE96FF032E}" type="datetimeFigureOut">
               <a:rPr lang="en-US" smtClean="0"/>
-              <a:t>10/12/2024</a:t>
+              <a:t>10/16/2024</a:t>
             </a:fld>
             <a:endParaRPr lang="en-US"/>
           </a:p>
@@ -9063,6 +9064,153 @@
 </p:sld>
 </file>
 
+<file path=ppt/slides/slide4.xml><?xml version="1.0" encoding="utf-8"?>
+<p:sld xmlns:a="http://schemas.openxmlformats.org/drawingml/2006/main" xmlns:r="http://schemas.openxmlformats.org/officeDocument/2006/relationships" xmlns:p="http://schemas.openxmlformats.org/presentationml/2006/main">
+  <p:cSld>
+    <p:spTree>
+      <p:nvGrpSpPr>
+        <p:cNvPr id="1" name=""/>
+        <p:cNvGrpSpPr/>
+        <p:nvPr/>
+      </p:nvGrpSpPr>
+      <p:grpSpPr>
+        <a:xfrm>
+          <a:off x="0" y="0"/>
+          <a:ext cx="0" cy="0"/>
+          <a:chOff x="0" y="0"/>
+          <a:chExt cx="0" cy="0"/>
+        </a:xfrm>
+      </p:grpSpPr>
+      <p:sp>
+        <p:nvSpPr>
+          <p:cNvPr id="4" name="TextBox 3">
+            <a:extLst>
+              <a:ext uri="{FF2B5EF4-FFF2-40B4-BE49-F238E27FC236}">
+                <a16:creationId xmlns:a16="http://schemas.microsoft.com/office/drawing/2014/main" id="{6B761E5D-EFA9-7E63-AB0D-785B2FB696EB}"/>
+              </a:ext>
+            </a:extLst>
+          </p:cNvPr>
+          <p:cNvSpPr txBox="1"/>
+          <p:nvPr/>
+        </p:nvSpPr>
+        <p:spPr>
+          <a:xfrm>
+            <a:off x="5538785" y="1419275"/>
+            <a:ext cx="914400" cy="369332"/>
+          </a:xfrm>
+          <a:prstGeom prst="rect">
+            <a:avLst/>
+          </a:prstGeom>
+          <a:noFill/>
+        </p:spPr>
+        <p:txBody>
+          <a:bodyPr wrap="square" rtlCol="0">
+            <a:spAutoFit/>
+          </a:bodyPr>
+          <a:lstStyle/>
+          <a:p>
+            <a:r>
+              <a:rPr lang="en-US" dirty="0">
+                <a:solidFill>
+                  <a:srgbClr val="FF0000"/>
+                </a:solidFill>
+              </a:rPr>
+              <a:t>GREEN</a:t>
+            </a:r>
+          </a:p>
+        </p:txBody>
+      </p:sp>
+      <p:sp>
+        <p:nvSpPr>
+          <p:cNvPr id="5" name="TextBox 4">
+            <a:extLst>
+              <a:ext uri="{FF2B5EF4-FFF2-40B4-BE49-F238E27FC236}">
+                <a16:creationId xmlns:a16="http://schemas.microsoft.com/office/drawing/2014/main" id="{68D082AE-AE46-057C-E5B2-416AC437A360}"/>
+              </a:ext>
+            </a:extLst>
+          </p:cNvPr>
+          <p:cNvSpPr txBox="1"/>
+          <p:nvPr/>
+        </p:nvSpPr>
+        <p:spPr>
+          <a:xfrm>
+            <a:off x="5385916" y="1788607"/>
+            <a:ext cx="914400" cy="369332"/>
+          </a:xfrm>
+          <a:prstGeom prst="rect">
+            <a:avLst/>
+          </a:prstGeom>
+          <a:noFill/>
+        </p:spPr>
+        <p:txBody>
+          <a:bodyPr wrap="square" rtlCol="0">
+            <a:spAutoFit/>
+          </a:bodyPr>
+          <a:lstStyle/>
+          <a:p>
+            <a:r>
+              <a:rPr lang="en-US" dirty="0">
+                <a:solidFill>
+                  <a:schemeClr val="accent1"/>
+                </a:solidFill>
+              </a:rPr>
+              <a:t>RED</a:t>
+            </a:r>
+          </a:p>
+        </p:txBody>
+      </p:sp>
+      <p:sp>
+        <p:nvSpPr>
+          <p:cNvPr id="6" name="TextBox 5">
+            <a:extLst>
+              <a:ext uri="{FF2B5EF4-FFF2-40B4-BE49-F238E27FC236}">
+                <a16:creationId xmlns:a16="http://schemas.microsoft.com/office/drawing/2014/main" id="{48CB946F-BB7F-EBDF-302C-FCF9CE8E3356}"/>
+              </a:ext>
+            </a:extLst>
+          </p:cNvPr>
+          <p:cNvSpPr txBox="1"/>
+          <p:nvPr/>
+        </p:nvSpPr>
+        <p:spPr>
+          <a:xfrm>
+            <a:off x="5440780" y="2157939"/>
+            <a:ext cx="914400" cy="369332"/>
+          </a:xfrm>
+          <a:prstGeom prst="rect">
+            <a:avLst/>
+          </a:prstGeom>
+          <a:noFill/>
+        </p:spPr>
+        <p:txBody>
+          <a:bodyPr wrap="square" rtlCol="0">
+            <a:spAutoFit/>
+          </a:bodyPr>
+          <a:lstStyle/>
+          <a:p>
+            <a:r>
+              <a:rPr lang="en-US" dirty="0">
+                <a:solidFill>
+                  <a:schemeClr val="accent6"/>
+                </a:solidFill>
+              </a:rPr>
+              <a:t>BLUE</a:t>
+            </a:r>
+          </a:p>
+        </p:txBody>
+      </p:sp>
+    </p:spTree>
+    <p:extLst>
+      <p:ext uri="{BB962C8B-B14F-4D97-AF65-F5344CB8AC3E}">
+        <p14:creationId xmlns:p14="http://schemas.microsoft.com/office/powerpoint/2010/main" val="348575192"/>
+      </p:ext>
+    </p:extLst>
+  </p:cSld>
+  <p:clrMapOvr>
+    <a:masterClrMapping/>
+  </p:clrMapOvr>
+</p:sld>
+</file>
+
 <file path=ppt/theme/theme1.xml><?xml version="1.0" encoding="utf-8"?>
 <a:theme xmlns:a="http://schemas.openxmlformats.org/drawingml/2006/main" name="ערכת נושא Office">
   <a:themeElements>
